--- a/IADNUG 20150604 Internet of Things NetMF/IoT.pptx
+++ b/IADNUG 20150604 Internet of Things NetMF/IoT.pptx
@@ -1467,7 +1467,7 @@
           <a:bodyPr lIns="0" rIns="0" tIns="0" bIns="0"/>
           <a:p>
             <a:pPr algn="r"/>
-            <a:fld id="{D5CB5C69-5F57-47B1-8C19-64E3999DAB25}" type="slidenum">
+            <a:fld id="{ED9AE3CD-46A3-4A28-8926-12976CBA8FAF}" type="slidenum">
               <a:rPr lang="en-US" sz="1400">
                 <a:latin typeface="Times New Roman"/>
               </a:rPr>
@@ -1541,7 +1541,7 @@
               <a:rPr lang="en-US" sz="4400">
                 <a:latin typeface="Arial"/>
               </a:rPr>
-              <a:t>The Internet of Things &amp; Embedded Development</a:t>
+              <a:t>The Internet of Things and Embedded Development</a:t>
             </a:r>
             <a:endParaRPr/>
           </a:p>
@@ -1555,8 +1555,8 @@
         </p:nvSpPr>
         <p:spPr>
           <a:xfrm>
-            <a:off x="504000" y="2194560"/>
-            <a:ext cx="9071640" cy="4384440"/>
+            <a:off x="504000" y="2149560"/>
+            <a:ext cx="9071640" cy="4474440"/>
           </a:xfrm>
           <a:prstGeom prst="rect">
             <a:avLst/>
@@ -1634,6 +1634,42 @@
           </a:p>
           <a:p>
             <a:pPr algn="ctr"/>
+            <a:endParaRPr/>
+          </a:p>
+          <a:p>
+            <a:r>
+              <a:rPr lang="en-US" sz="1200">
+                <a:latin typeface="Arial"/>
+              </a:rPr>
+              <a:t>Michael Phelps</a:t>
+            </a:r>
+            <a:endParaRPr/>
+          </a:p>
+          <a:p>
+            <a:r>
+              <a:rPr lang="en-US" sz="1200">
+                <a:latin typeface="Arial"/>
+              </a:rPr>
+              <a:t>Phelps Consulting.</a:t>
+            </a:r>
+            <a:endParaRPr/>
+          </a:p>
+          <a:p>
+            <a:r>
+              <a:rPr lang="en-US" sz="1200">
+                <a:latin typeface="Arial"/>
+              </a:rPr>
+              <a:t>Think software, not swimwear.</a:t>
+            </a:r>
+            <a:endParaRPr/>
+          </a:p>
+          <a:p>
+            <a:r>
+              <a:rPr lang="en-US" sz="1200">
+                <a:latin typeface="Arial"/>
+              </a:rPr>
+              <a:t>Copyright 2015, All rights reserved.</a:t>
+            </a:r>
             <a:endParaRPr/>
           </a:p>
         </p:txBody>
@@ -1650,7 +1686,7 @@
         </p:blipFill>
         <p:spPr>
           <a:xfrm>
-            <a:off x="3526200" y="3401640"/>
+            <a:off x="3558960" y="3108960"/>
             <a:ext cx="2933280" cy="2266560"/>
           </a:xfrm>
           <a:prstGeom prst="rect">
@@ -1848,6 +1884,33 @@
       </p:sp>
     </p:spTree>
   </p:cSld>
+  <p:timing>
+    <p:tnLst>
+      <p:par>
+        <p:cTn id="19" dur="indefinite" restart="never" nodeType="tmRoot">
+          <p:childTnLst>
+            <p:seq>
+              <p:cTn id="20" nodeType="mainSeq"/>
+              <p:prevCondLst>
+                <p:cond delay="0" evt="onPrev">
+                  <p:tgtEl>
+                    <p:sldTgt/>
+                  </p:tgtEl>
+                </p:cond>
+              </p:prevCondLst>
+              <p:nextCondLst>
+                <p:cond delay="0" evt="onNext">
+                  <p:tgtEl>
+                    <p:sldTgt/>
+                  </p:tgtEl>
+                </p:cond>
+              </p:nextCondLst>
+            </p:seq>
+          </p:childTnLst>
+        </p:cTn>
+      </p:par>
+    </p:tnLst>
+  </p:timing>
 </p:sld>
 </file>
 
@@ -2082,6 +2145,33 @@
       </p:sp>
     </p:spTree>
   </p:cSld>
+  <p:timing>
+    <p:tnLst>
+      <p:par>
+        <p:cTn id="21" dur="indefinite" restart="never" nodeType="tmRoot">
+          <p:childTnLst>
+            <p:seq>
+              <p:cTn id="22" nodeType="mainSeq"/>
+              <p:prevCondLst>
+                <p:cond delay="0" evt="onPrev">
+                  <p:tgtEl>
+                    <p:sldTgt/>
+                  </p:tgtEl>
+                </p:cond>
+              </p:prevCondLst>
+              <p:nextCondLst>
+                <p:cond delay="0" evt="onNext">
+                  <p:tgtEl>
+                    <p:sldTgt/>
+                  </p:tgtEl>
+                </p:cond>
+              </p:nextCondLst>
+            </p:seq>
+          </p:childTnLst>
+        </p:cTn>
+      </p:par>
+    </p:tnLst>
+  </p:timing>
 </p:sld>
 </file>
 
@@ -2252,6 +2342,33 @@
       </p:sp>
     </p:spTree>
   </p:cSld>
+  <p:timing>
+    <p:tnLst>
+      <p:par>
+        <p:cTn id="23" dur="indefinite" restart="never" nodeType="tmRoot">
+          <p:childTnLst>
+            <p:seq>
+              <p:cTn id="24" nodeType="mainSeq"/>
+              <p:prevCondLst>
+                <p:cond delay="0" evt="onPrev">
+                  <p:tgtEl>
+                    <p:sldTgt/>
+                  </p:tgtEl>
+                </p:cond>
+              </p:prevCondLst>
+              <p:nextCondLst>
+                <p:cond delay="0" evt="onNext">
+                  <p:tgtEl>
+                    <p:sldTgt/>
+                  </p:tgtEl>
+                </p:cond>
+              </p:nextCondLst>
+            </p:seq>
+          </p:childTnLst>
+        </p:cTn>
+      </p:par>
+    </p:tnLst>
+  </p:timing>
 </p:sld>
 </file>
 
@@ -2394,6 +2511,33 @@
       </p:sp>
     </p:spTree>
   </p:cSld>
+  <p:timing>
+    <p:tnLst>
+      <p:par>
+        <p:cTn id="25" dur="indefinite" restart="never" nodeType="tmRoot">
+          <p:childTnLst>
+            <p:seq>
+              <p:cTn id="26" nodeType="mainSeq"/>
+              <p:prevCondLst>
+                <p:cond delay="0" evt="onPrev">
+                  <p:tgtEl>
+                    <p:sldTgt/>
+                  </p:tgtEl>
+                </p:cond>
+              </p:prevCondLst>
+              <p:nextCondLst>
+                <p:cond delay="0" evt="onNext">
+                  <p:tgtEl>
+                    <p:sldTgt/>
+                  </p:tgtEl>
+                </p:cond>
+              </p:nextCondLst>
+            </p:seq>
+          </p:childTnLst>
+        </p:cTn>
+      </p:par>
+    </p:tnLst>
+  </p:timing>
 </p:sld>
 </file>
 
@@ -2570,6 +2714,33 @@
       </p:sp>
     </p:spTree>
   </p:cSld>
+  <p:timing>
+    <p:tnLst>
+      <p:par>
+        <p:cTn id="27" dur="indefinite" restart="never" nodeType="tmRoot">
+          <p:childTnLst>
+            <p:seq>
+              <p:cTn id="28" nodeType="mainSeq"/>
+              <p:prevCondLst>
+                <p:cond delay="0" evt="onPrev">
+                  <p:tgtEl>
+                    <p:sldTgt/>
+                  </p:tgtEl>
+                </p:cond>
+              </p:prevCondLst>
+              <p:nextCondLst>
+                <p:cond delay="0" evt="onNext">
+                  <p:tgtEl>
+                    <p:sldTgt/>
+                  </p:tgtEl>
+                </p:cond>
+              </p:nextCondLst>
+            </p:seq>
+          </p:childTnLst>
+        </p:cTn>
+      </p:par>
+    </p:tnLst>
+  </p:timing>
 </p:sld>
 </file>
 
@@ -2724,6 +2895,33 @@
       </p:sp>
     </p:spTree>
   </p:cSld>
+  <p:timing>
+    <p:tnLst>
+      <p:par>
+        <p:cTn id="29" dur="indefinite" restart="never" nodeType="tmRoot">
+          <p:childTnLst>
+            <p:seq>
+              <p:cTn id="30" nodeType="mainSeq"/>
+              <p:prevCondLst>
+                <p:cond delay="0" evt="onPrev">
+                  <p:tgtEl>
+                    <p:sldTgt/>
+                  </p:tgtEl>
+                </p:cond>
+              </p:prevCondLst>
+              <p:nextCondLst>
+                <p:cond delay="0" evt="onNext">
+                  <p:tgtEl>
+                    <p:sldTgt/>
+                  </p:tgtEl>
+                </p:cond>
+              </p:nextCondLst>
+            </p:seq>
+          </p:childTnLst>
+        </p:cTn>
+      </p:par>
+    </p:tnLst>
+  </p:timing>
 </p:sld>
 </file>
 
@@ -2844,6 +3042,33 @@
       </p:sp>
     </p:spTree>
   </p:cSld>
+  <p:timing>
+    <p:tnLst>
+      <p:par>
+        <p:cTn id="31" dur="indefinite" restart="never" nodeType="tmRoot">
+          <p:childTnLst>
+            <p:seq>
+              <p:cTn id="32" nodeType="mainSeq"/>
+              <p:prevCondLst>
+                <p:cond delay="0" evt="onPrev">
+                  <p:tgtEl>
+                    <p:sldTgt/>
+                  </p:tgtEl>
+                </p:cond>
+              </p:prevCondLst>
+              <p:nextCondLst>
+                <p:cond delay="0" evt="onNext">
+                  <p:tgtEl>
+                    <p:sldTgt/>
+                  </p:tgtEl>
+                </p:cond>
+              </p:nextCondLst>
+            </p:seq>
+          </p:childTnLst>
+        </p:cTn>
+      </p:par>
+    </p:tnLst>
+  </p:timing>
 </p:sld>
 </file>
 
@@ -2978,6 +3203,33 @@
       </p:sp>
     </p:spTree>
   </p:cSld>
+  <p:timing>
+    <p:tnLst>
+      <p:par>
+        <p:cTn id="33" dur="indefinite" restart="never" nodeType="tmRoot">
+          <p:childTnLst>
+            <p:seq>
+              <p:cTn id="34" nodeType="mainSeq"/>
+              <p:prevCondLst>
+                <p:cond delay="0" evt="onPrev">
+                  <p:tgtEl>
+                    <p:sldTgt/>
+                  </p:tgtEl>
+                </p:cond>
+              </p:prevCondLst>
+              <p:nextCondLst>
+                <p:cond delay="0" evt="onNext">
+                  <p:tgtEl>
+                    <p:sldTgt/>
+                  </p:tgtEl>
+                </p:cond>
+              </p:nextCondLst>
+            </p:seq>
+          </p:childTnLst>
+        </p:cTn>
+      </p:par>
+    </p:tnLst>
+  </p:timing>
 </p:sld>
 </file>
 
@@ -3062,49 +3314,21 @@
               <a:rPr lang="en-US" sz="3200">
                 <a:latin typeface="Arial"/>
               </a:rPr>
-              <a:t>How to get SPOT IO objects</a:t>
-            </a:r>
-            <a:endParaRPr/>
-          </a:p>
-          <a:p>
-            <a:pPr>
-              <a:buSzPct val="45000"/>
-              <a:buFont typeface="StarSymbol"/>
-              <a:buChar char=""/>
-            </a:pPr>
-            <a:r>
-              <a:rPr lang="en-US" sz="3200">
-                <a:latin typeface="Arial"/>
-              </a:rPr>
-              <a:t>How to get Gadgeteer IO objects</a:t>
-            </a:r>
-            <a:endParaRPr/>
-          </a:p>
-          <a:p>
-            <a:pPr>
-              <a:buSzPct val="45000"/>
-              <a:buFont typeface="StarSymbol"/>
-              <a:buChar char=""/>
-            </a:pPr>
-            <a:r>
-              <a:rPr lang="en-US" sz="3200">
-                <a:latin typeface="Arial"/>
-              </a:rPr>
-              <a:t>Show SPOT IO methods.</a:t>
-            </a:r>
-            <a:endParaRPr/>
-          </a:p>
-          <a:p>
-            <a:pPr>
-              <a:buSzPct val="45000"/>
-              <a:buFont typeface="StarSymbol"/>
-              <a:buChar char=""/>
-            </a:pPr>
-            <a:r>
-              <a:rPr lang="en-US" sz="3200">
-                <a:latin typeface="Arial"/>
-              </a:rPr>
-              <a:t>Show a Gadgeteer module in action.</a:t>
+              <a:t>Get SPOT IO objects and methods</a:t>
+            </a:r>
+            <a:endParaRPr/>
+          </a:p>
+          <a:p>
+            <a:pPr>
+              <a:buSzPct val="45000"/>
+              <a:buFont typeface="StarSymbol"/>
+              <a:buChar char=""/>
+            </a:pPr>
+            <a:r>
+              <a:rPr lang="en-US" sz="3200">
+                <a:latin typeface="Arial"/>
+              </a:rPr>
+              <a:t>Get Gadgeteer IO objects and methods</a:t>
             </a:r>
             <a:endParaRPr/>
           </a:p>
@@ -3126,6 +3350,33 @@
       </p:sp>
     </p:spTree>
   </p:cSld>
+  <p:timing>
+    <p:tnLst>
+      <p:par>
+        <p:cTn id="35" dur="indefinite" restart="never" nodeType="tmRoot">
+          <p:childTnLst>
+            <p:seq>
+              <p:cTn id="36" nodeType="mainSeq"/>
+              <p:prevCondLst>
+                <p:cond delay="0" evt="onPrev">
+                  <p:tgtEl>
+                    <p:sldTgt/>
+                  </p:tgtEl>
+                </p:cond>
+              </p:prevCondLst>
+              <p:nextCondLst>
+                <p:cond delay="0" evt="onNext">
+                  <p:tgtEl>
+                    <p:sldTgt/>
+                  </p:tgtEl>
+                </p:cond>
+              </p:nextCondLst>
+            </p:seq>
+          </p:childTnLst>
+        </p:cTn>
+      </p:par>
+    </p:tnLst>
+  </p:timing>
 </p:sld>
 </file>
 
@@ -3312,6 +3563,33 @@
       </p:sp>
     </p:spTree>
   </p:cSld>
+  <p:timing>
+    <p:tnLst>
+      <p:par>
+        <p:cTn id="37" dur="indefinite" restart="never" nodeType="tmRoot">
+          <p:childTnLst>
+            <p:seq>
+              <p:cTn id="38" nodeType="mainSeq"/>
+              <p:prevCondLst>
+                <p:cond delay="0" evt="onPrev">
+                  <p:tgtEl>
+                    <p:sldTgt/>
+                  </p:tgtEl>
+                </p:cond>
+              </p:prevCondLst>
+              <p:nextCondLst>
+                <p:cond delay="0" evt="onNext">
+                  <p:tgtEl>
+                    <p:sldTgt/>
+                  </p:tgtEl>
+                </p:cond>
+              </p:nextCondLst>
+            </p:seq>
+          </p:childTnLst>
+        </p:cTn>
+      </p:par>
+    </p:tnLst>
+  </p:timing>
 </p:sld>
 </file>
 
@@ -3687,6 +3965,33 @@
       </p:sp>
     </p:spTree>
   </p:cSld>
+  <p:timing>
+    <p:tnLst>
+      <p:par>
+        <p:cTn id="39" dur="indefinite" restart="never" nodeType="tmRoot">
+          <p:childTnLst>
+            <p:seq>
+              <p:cTn id="40" nodeType="mainSeq"/>
+              <p:prevCondLst>
+                <p:cond delay="0" evt="onPrev">
+                  <p:tgtEl>
+                    <p:sldTgt/>
+                  </p:tgtEl>
+                </p:cond>
+              </p:prevCondLst>
+              <p:nextCondLst>
+                <p:cond delay="0" evt="onNext">
+                  <p:tgtEl>
+                    <p:sldTgt/>
+                  </p:tgtEl>
+                </p:cond>
+              </p:nextCondLst>
+            </p:seq>
+          </p:childTnLst>
+        </p:cTn>
+      </p:par>
+    </p:tnLst>
+  </p:timing>
 </p:sld>
 </file>
 
@@ -3909,6 +4214,33 @@
       </p:sp>
     </p:spTree>
   </p:cSld>
+  <p:timing>
+    <p:tnLst>
+      <p:par>
+        <p:cTn id="41" dur="indefinite" restart="never" nodeType="tmRoot">
+          <p:childTnLst>
+            <p:seq>
+              <p:cTn id="42" nodeType="mainSeq"/>
+              <p:prevCondLst>
+                <p:cond delay="0" evt="onPrev">
+                  <p:tgtEl>
+                    <p:sldTgt/>
+                  </p:tgtEl>
+                </p:cond>
+              </p:prevCondLst>
+              <p:nextCondLst>
+                <p:cond delay="0" evt="onNext">
+                  <p:tgtEl>
+                    <p:sldTgt/>
+                  </p:tgtEl>
+                </p:cond>
+              </p:nextCondLst>
+            </p:seq>
+          </p:childTnLst>
+        </p:cTn>
+      </p:par>
+    </p:tnLst>
+  </p:timing>
 </p:sld>
 </file>
 
@@ -4057,6 +4389,33 @@
       </p:sp>
     </p:spTree>
   </p:cSld>
+  <p:timing>
+    <p:tnLst>
+      <p:par>
+        <p:cTn id="43" dur="indefinite" restart="never" nodeType="tmRoot">
+          <p:childTnLst>
+            <p:seq>
+              <p:cTn id="44" nodeType="mainSeq"/>
+              <p:prevCondLst>
+                <p:cond delay="0" evt="onPrev">
+                  <p:tgtEl>
+                    <p:sldTgt/>
+                  </p:tgtEl>
+                </p:cond>
+              </p:prevCondLst>
+              <p:nextCondLst>
+                <p:cond delay="0" evt="onNext">
+                  <p:tgtEl>
+                    <p:sldTgt/>
+                  </p:tgtEl>
+                </p:cond>
+              </p:nextCondLst>
+            </p:seq>
+          </p:childTnLst>
+        </p:cTn>
+      </p:par>
+    </p:tnLst>
+  </p:timing>
 </p:sld>
 </file>
 
@@ -4192,6 +4551,33 @@
       </p:pic>
     </p:spTree>
   </p:cSld>
+  <p:timing>
+    <p:tnLst>
+      <p:par>
+        <p:cTn id="45" dur="indefinite" restart="never" nodeType="tmRoot">
+          <p:childTnLst>
+            <p:seq>
+              <p:cTn id="46" nodeType="mainSeq"/>
+              <p:prevCondLst>
+                <p:cond delay="0" evt="onPrev">
+                  <p:tgtEl>
+                    <p:sldTgt/>
+                  </p:tgtEl>
+                </p:cond>
+              </p:prevCondLst>
+              <p:nextCondLst>
+                <p:cond delay="0" evt="onNext">
+                  <p:tgtEl>
+                    <p:sldTgt/>
+                  </p:tgtEl>
+                </p:cond>
+              </p:nextCondLst>
+            </p:seq>
+          </p:childTnLst>
+        </p:cTn>
+      </p:par>
+    </p:tnLst>
+  </p:timing>
 </p:sld>
 </file>
 
@@ -4394,6 +4780,33 @@
       </p:pic>
     </p:spTree>
   </p:cSld>
+  <p:timing>
+    <p:tnLst>
+      <p:par>
+        <p:cTn id="47" dur="indefinite" restart="never" nodeType="tmRoot">
+          <p:childTnLst>
+            <p:seq>
+              <p:cTn id="48" nodeType="mainSeq"/>
+              <p:prevCondLst>
+                <p:cond delay="0" evt="onPrev">
+                  <p:tgtEl>
+                    <p:sldTgt/>
+                  </p:tgtEl>
+                </p:cond>
+              </p:prevCondLst>
+              <p:nextCondLst>
+                <p:cond delay="0" evt="onNext">
+                  <p:tgtEl>
+                    <p:sldTgt/>
+                  </p:tgtEl>
+                </p:cond>
+              </p:nextCondLst>
+            </p:seq>
+          </p:childTnLst>
+        </p:cTn>
+      </p:par>
+    </p:tnLst>
+  </p:timing>
 </p:sld>
 </file>
 
@@ -4601,6 +5014,33 @@
       </p:pic>
     </p:spTree>
   </p:cSld>
+  <p:timing>
+    <p:tnLst>
+      <p:par>
+        <p:cTn id="49" dur="indefinite" restart="never" nodeType="tmRoot">
+          <p:childTnLst>
+            <p:seq>
+              <p:cTn id="50" nodeType="mainSeq"/>
+              <p:prevCondLst>
+                <p:cond delay="0" evt="onPrev">
+                  <p:tgtEl>
+                    <p:sldTgt/>
+                  </p:tgtEl>
+                </p:cond>
+              </p:prevCondLst>
+              <p:nextCondLst>
+                <p:cond delay="0" evt="onNext">
+                  <p:tgtEl>
+                    <p:sldTgt/>
+                  </p:tgtEl>
+                </p:cond>
+              </p:nextCondLst>
+            </p:seq>
+          </p:childTnLst>
+        </p:cTn>
+      </p:par>
+    </p:tnLst>
+  </p:timing>
 </p:sld>
 </file>
 
@@ -4873,6 +5313,33 @@
       </p:pic>
     </p:spTree>
   </p:cSld>
+  <p:timing>
+    <p:tnLst>
+      <p:par>
+        <p:cTn id="51" dur="indefinite" restart="never" nodeType="tmRoot">
+          <p:childTnLst>
+            <p:seq>
+              <p:cTn id="52" nodeType="mainSeq"/>
+              <p:prevCondLst>
+                <p:cond delay="0" evt="onPrev">
+                  <p:tgtEl>
+                    <p:sldTgt/>
+                  </p:tgtEl>
+                </p:cond>
+              </p:prevCondLst>
+              <p:nextCondLst>
+                <p:cond delay="0" evt="onNext">
+                  <p:tgtEl>
+                    <p:sldTgt/>
+                  </p:tgtEl>
+                </p:cond>
+              </p:nextCondLst>
+            </p:seq>
+          </p:childTnLst>
+        </p:cTn>
+      </p:par>
+    </p:tnLst>
+  </p:timing>
 </p:sld>
 </file>
 
@@ -5035,6 +5502,33 @@
       </p:sp>
     </p:spTree>
   </p:cSld>
+  <p:timing>
+    <p:tnLst>
+      <p:par>
+        <p:cTn id="53" dur="indefinite" restart="never" nodeType="tmRoot">
+          <p:childTnLst>
+            <p:seq>
+              <p:cTn id="54" nodeType="mainSeq"/>
+              <p:prevCondLst>
+                <p:cond delay="0" evt="onPrev">
+                  <p:tgtEl>
+                    <p:sldTgt/>
+                  </p:tgtEl>
+                </p:cond>
+              </p:prevCondLst>
+              <p:nextCondLst>
+                <p:cond delay="0" evt="onNext">
+                  <p:tgtEl>
+                    <p:sldTgt/>
+                  </p:tgtEl>
+                </p:cond>
+              </p:nextCondLst>
+            </p:seq>
+          </p:childTnLst>
+        </p:cTn>
+      </p:par>
+    </p:tnLst>
+  </p:timing>
 </p:sld>
 </file>
 
@@ -5239,6 +5733,33 @@
       </p:sp>
     </p:spTree>
   </p:cSld>
+  <p:timing>
+    <p:tnLst>
+      <p:par>
+        <p:cTn id="55" dur="indefinite" restart="never" nodeType="tmRoot">
+          <p:childTnLst>
+            <p:seq>
+              <p:cTn id="56" nodeType="mainSeq"/>
+              <p:prevCondLst>
+                <p:cond delay="0" evt="onPrev">
+                  <p:tgtEl>
+                    <p:sldTgt/>
+                  </p:tgtEl>
+                </p:cond>
+              </p:prevCondLst>
+              <p:nextCondLst>
+                <p:cond delay="0" evt="onNext">
+                  <p:tgtEl>
+                    <p:sldTgt/>
+                  </p:tgtEl>
+                </p:cond>
+              </p:nextCondLst>
+            </p:seq>
+          </p:childTnLst>
+        </p:cTn>
+      </p:par>
+    </p:tnLst>
+  </p:timing>
 </p:sld>
 </file>
 
@@ -5381,6 +5902,33 @@
       </p:sp>
     </p:spTree>
   </p:cSld>
+  <p:timing>
+    <p:tnLst>
+      <p:par>
+        <p:cTn id="57" dur="indefinite" restart="never" nodeType="tmRoot">
+          <p:childTnLst>
+            <p:seq>
+              <p:cTn id="58" nodeType="mainSeq"/>
+              <p:prevCondLst>
+                <p:cond delay="0" evt="onPrev">
+                  <p:tgtEl>
+                    <p:sldTgt/>
+                  </p:tgtEl>
+                </p:cond>
+              </p:prevCondLst>
+              <p:nextCondLst>
+                <p:cond delay="0" evt="onNext">
+                  <p:tgtEl>
+                    <p:sldTgt/>
+                  </p:tgtEl>
+                </p:cond>
+              </p:nextCondLst>
+            </p:seq>
+          </p:childTnLst>
+        </p:cTn>
+      </p:par>
+    </p:tnLst>
+  </p:timing>
 </p:sld>
 </file>
 
@@ -5711,6 +6259,33 @@
       </p:sp>
     </p:spTree>
   </p:cSld>
+  <p:timing>
+    <p:tnLst>
+      <p:par>
+        <p:cTn id="59" dur="indefinite" restart="never" nodeType="tmRoot">
+          <p:childTnLst>
+            <p:seq>
+              <p:cTn id="60" nodeType="mainSeq"/>
+              <p:prevCondLst>
+                <p:cond delay="0" evt="onPrev">
+                  <p:tgtEl>
+                    <p:sldTgt/>
+                  </p:tgtEl>
+                </p:cond>
+              </p:prevCondLst>
+              <p:nextCondLst>
+                <p:cond delay="0" evt="onNext">
+                  <p:tgtEl>
+                    <p:sldTgt/>
+                  </p:tgtEl>
+                </p:cond>
+              </p:nextCondLst>
+            </p:seq>
+          </p:childTnLst>
+        </p:cTn>
+      </p:par>
+    </p:tnLst>
+  </p:timing>
 </p:sld>
 </file>
 
@@ -5873,6 +6448,33 @@
       </p:sp>
     </p:spTree>
   </p:cSld>
+  <p:timing>
+    <p:tnLst>
+      <p:par>
+        <p:cTn id="61" dur="indefinite" restart="never" nodeType="tmRoot">
+          <p:childTnLst>
+            <p:seq>
+              <p:cTn id="62" nodeType="mainSeq"/>
+              <p:prevCondLst>
+                <p:cond delay="0" evt="onPrev">
+                  <p:tgtEl>
+                    <p:sldTgt/>
+                  </p:tgtEl>
+                </p:cond>
+              </p:prevCondLst>
+              <p:nextCondLst>
+                <p:cond delay="0" evt="onNext">
+                  <p:tgtEl>
+                    <p:sldTgt/>
+                  </p:tgtEl>
+                </p:cond>
+              </p:nextCondLst>
+            </p:seq>
+          </p:childTnLst>
+        </p:cTn>
+      </p:par>
+    </p:tnLst>
+  </p:timing>
 </p:sld>
 </file>
 
@@ -6034,6 +6636,33 @@
       </p:sp>
     </p:spTree>
   </p:cSld>
+  <p:timing>
+    <p:tnLst>
+      <p:par>
+        <p:cTn id="63" dur="indefinite" restart="never" nodeType="tmRoot">
+          <p:childTnLst>
+            <p:seq>
+              <p:cTn id="64" nodeType="mainSeq"/>
+              <p:prevCondLst>
+                <p:cond delay="0" evt="onPrev">
+                  <p:tgtEl>
+                    <p:sldTgt/>
+                  </p:tgtEl>
+                </p:cond>
+              </p:prevCondLst>
+              <p:nextCondLst>
+                <p:cond delay="0" evt="onNext">
+                  <p:tgtEl>
+                    <p:sldTgt/>
+                  </p:tgtEl>
+                </p:cond>
+              </p:nextCondLst>
+            </p:seq>
+          </p:childTnLst>
+        </p:cTn>
+      </p:par>
+    </p:tnLst>
+  </p:timing>
 </p:sld>
 </file>
 
@@ -6204,6 +6833,33 @@
       </p:sp>
     </p:spTree>
   </p:cSld>
+  <p:timing>
+    <p:tnLst>
+      <p:par>
+        <p:cTn id="65" dur="indefinite" restart="never" nodeType="tmRoot">
+          <p:childTnLst>
+            <p:seq>
+              <p:cTn id="66" nodeType="mainSeq"/>
+              <p:prevCondLst>
+                <p:cond delay="0" evt="onPrev">
+                  <p:tgtEl>
+                    <p:sldTgt/>
+                  </p:tgtEl>
+                </p:cond>
+              </p:prevCondLst>
+              <p:nextCondLst>
+                <p:cond delay="0" evt="onNext">
+                  <p:tgtEl>
+                    <p:sldTgt/>
+                  </p:tgtEl>
+                </p:cond>
+              </p:nextCondLst>
+            </p:seq>
+          </p:childTnLst>
+        </p:cTn>
+      </p:par>
+    </p:tnLst>
+  </p:timing>
 </p:sld>
 </file>
 
@@ -6380,6 +7036,33 @@
       </p:sp>
     </p:spTree>
   </p:cSld>
+  <p:timing>
+    <p:tnLst>
+      <p:par>
+        <p:cTn id="67" dur="indefinite" restart="never" nodeType="tmRoot">
+          <p:childTnLst>
+            <p:seq>
+              <p:cTn id="68" nodeType="mainSeq"/>
+              <p:prevCondLst>
+                <p:cond delay="0" evt="onPrev">
+                  <p:tgtEl>
+                    <p:sldTgt/>
+                  </p:tgtEl>
+                </p:cond>
+              </p:prevCondLst>
+              <p:nextCondLst>
+                <p:cond delay="0" evt="onNext">
+                  <p:tgtEl>
+                    <p:sldTgt/>
+                  </p:tgtEl>
+                </p:cond>
+              </p:nextCondLst>
+            </p:seq>
+          </p:childTnLst>
+        </p:cTn>
+      </p:par>
+    </p:tnLst>
+  </p:timing>
 </p:sld>
 </file>
 
@@ -6584,6 +7267,33 @@
       </p:sp>
     </p:spTree>
   </p:cSld>
+  <p:timing>
+    <p:tnLst>
+      <p:par>
+        <p:cTn id="69" dur="indefinite" restart="never" nodeType="tmRoot">
+          <p:childTnLst>
+            <p:seq>
+              <p:cTn id="70" nodeType="mainSeq"/>
+              <p:prevCondLst>
+                <p:cond delay="0" evt="onPrev">
+                  <p:tgtEl>
+                    <p:sldTgt/>
+                  </p:tgtEl>
+                </p:cond>
+              </p:prevCondLst>
+              <p:nextCondLst>
+                <p:cond delay="0" evt="onNext">
+                  <p:tgtEl>
+                    <p:sldTgt/>
+                  </p:tgtEl>
+                </p:cond>
+              </p:nextCondLst>
+            </p:seq>
+          </p:childTnLst>
+        </p:cTn>
+      </p:par>
+    </p:tnLst>
+  </p:timing>
 </p:sld>
 </file>
 
@@ -6736,6 +7446,33 @@
       </p:sp>
     </p:spTree>
   </p:cSld>
+  <p:timing>
+    <p:tnLst>
+      <p:par>
+        <p:cTn id="71" dur="indefinite" restart="never" nodeType="tmRoot">
+          <p:childTnLst>
+            <p:seq>
+              <p:cTn id="72" nodeType="mainSeq"/>
+              <p:prevCondLst>
+                <p:cond delay="0" evt="onPrev">
+                  <p:tgtEl>
+                    <p:sldTgt/>
+                  </p:tgtEl>
+                </p:cond>
+              </p:prevCondLst>
+              <p:nextCondLst>
+                <p:cond delay="0" evt="onNext">
+                  <p:tgtEl>
+                    <p:sldTgt/>
+                  </p:tgtEl>
+                </p:cond>
+              </p:nextCondLst>
+            </p:seq>
+          </p:childTnLst>
+        </p:cTn>
+      </p:par>
+    </p:tnLst>
+  </p:timing>
 </p:sld>
 </file>
 
@@ -6884,6 +7621,33 @@
       </p:sp>
     </p:spTree>
   </p:cSld>
+  <p:timing>
+    <p:tnLst>
+      <p:par>
+        <p:cTn id="73" dur="indefinite" restart="never" nodeType="tmRoot">
+          <p:childTnLst>
+            <p:seq>
+              <p:cTn id="74" nodeType="mainSeq"/>
+              <p:prevCondLst>
+                <p:cond delay="0" evt="onPrev">
+                  <p:tgtEl>
+                    <p:sldTgt/>
+                  </p:tgtEl>
+                </p:cond>
+              </p:prevCondLst>
+              <p:nextCondLst>
+                <p:cond delay="0" evt="onNext">
+                  <p:tgtEl>
+                    <p:sldTgt/>
+                  </p:tgtEl>
+                </p:cond>
+              </p:nextCondLst>
+            </p:seq>
+          </p:childTnLst>
+        </p:cTn>
+      </p:par>
+    </p:tnLst>
+  </p:timing>
 </p:sld>
 </file>
 
@@ -7018,6 +7782,33 @@
       </p:sp>
     </p:spTree>
   </p:cSld>
+  <p:timing>
+    <p:tnLst>
+      <p:par>
+        <p:cTn id="75" dur="indefinite" restart="never" nodeType="tmRoot">
+          <p:childTnLst>
+            <p:seq>
+              <p:cTn id="76" nodeType="mainSeq"/>
+              <p:prevCondLst>
+                <p:cond delay="0" evt="onPrev">
+                  <p:tgtEl>
+                    <p:sldTgt/>
+                  </p:tgtEl>
+                </p:cond>
+              </p:prevCondLst>
+              <p:nextCondLst>
+                <p:cond delay="0" evt="onNext">
+                  <p:tgtEl>
+                    <p:sldTgt/>
+                  </p:tgtEl>
+                </p:cond>
+              </p:nextCondLst>
+            </p:seq>
+          </p:childTnLst>
+        </p:cTn>
+      </p:par>
+    </p:tnLst>
+  </p:timing>
 </p:sld>
 </file>
 
@@ -7204,6 +7995,33 @@
       </p:sp>
     </p:spTree>
   </p:cSld>
+  <p:timing>
+    <p:tnLst>
+      <p:par>
+        <p:cTn id="77" dur="indefinite" restart="never" nodeType="tmRoot">
+          <p:childTnLst>
+            <p:seq>
+              <p:cTn id="78" nodeType="mainSeq"/>
+              <p:prevCondLst>
+                <p:cond delay="0" evt="onPrev">
+                  <p:tgtEl>
+                    <p:sldTgt/>
+                  </p:tgtEl>
+                </p:cond>
+              </p:prevCondLst>
+              <p:nextCondLst>
+                <p:cond delay="0" evt="onNext">
+                  <p:tgtEl>
+                    <p:sldTgt/>
+                  </p:tgtEl>
+                </p:cond>
+              </p:nextCondLst>
+            </p:seq>
+          </p:childTnLst>
+        </p:cTn>
+      </p:par>
+    </p:tnLst>
+  </p:timing>
 </p:sld>
 </file>
 
@@ -7555,6 +8373,33 @@
       </p:sp>
     </p:spTree>
   </p:cSld>
+  <p:timing>
+    <p:tnLst>
+      <p:par>
+        <p:cTn id="79" dur="indefinite" restart="never" nodeType="tmRoot">
+          <p:childTnLst>
+            <p:seq>
+              <p:cTn id="80" nodeType="mainSeq"/>
+              <p:prevCondLst>
+                <p:cond delay="0" evt="onPrev">
+                  <p:tgtEl>
+                    <p:sldTgt/>
+                  </p:tgtEl>
+                </p:cond>
+              </p:prevCondLst>
+              <p:nextCondLst>
+                <p:cond delay="0" evt="onNext">
+                  <p:tgtEl>
+                    <p:sldTgt/>
+                  </p:tgtEl>
+                </p:cond>
+              </p:nextCondLst>
+            </p:seq>
+          </p:childTnLst>
+        </p:cTn>
+      </p:par>
+    </p:tnLst>
+  </p:timing>
 </p:sld>
 </file>
 
@@ -7717,6 +8562,33 @@
       </p:sp>
     </p:spTree>
   </p:cSld>
+  <p:timing>
+    <p:tnLst>
+      <p:par>
+        <p:cTn id="81" dur="indefinite" restart="never" nodeType="tmRoot">
+          <p:childTnLst>
+            <p:seq>
+              <p:cTn id="82" nodeType="mainSeq"/>
+              <p:prevCondLst>
+                <p:cond delay="0" evt="onPrev">
+                  <p:tgtEl>
+                    <p:sldTgt/>
+                  </p:tgtEl>
+                </p:cond>
+              </p:prevCondLst>
+              <p:nextCondLst>
+                <p:cond delay="0" evt="onNext">
+                  <p:tgtEl>
+                    <p:sldTgt/>
+                  </p:tgtEl>
+                </p:cond>
+              </p:nextCondLst>
+            </p:seq>
+          </p:childTnLst>
+        </p:cTn>
+      </p:par>
+    </p:tnLst>
+  </p:timing>
 </p:sld>
 </file>
 
@@ -7891,6 +8763,33 @@
       </p:sp>
     </p:spTree>
   </p:cSld>
+  <p:timing>
+    <p:tnLst>
+      <p:par>
+        <p:cTn id="83" dur="indefinite" restart="never" nodeType="tmRoot">
+          <p:childTnLst>
+            <p:seq>
+              <p:cTn id="84" nodeType="mainSeq"/>
+              <p:prevCondLst>
+                <p:cond delay="0" evt="onPrev">
+                  <p:tgtEl>
+                    <p:sldTgt/>
+                  </p:tgtEl>
+                </p:cond>
+              </p:prevCondLst>
+              <p:nextCondLst>
+                <p:cond delay="0" evt="onNext">
+                  <p:tgtEl>
+                    <p:sldTgt/>
+                  </p:tgtEl>
+                </p:cond>
+              </p:nextCondLst>
+            </p:seq>
+          </p:childTnLst>
+        </p:cTn>
+      </p:par>
+    </p:tnLst>
+  </p:timing>
 </p:sld>
 </file>
 
@@ -8097,6 +8996,33 @@
       </p:sp>
     </p:spTree>
   </p:cSld>
+  <p:timing>
+    <p:tnLst>
+      <p:par>
+        <p:cTn id="85" dur="indefinite" restart="never" nodeType="tmRoot">
+          <p:childTnLst>
+            <p:seq>
+              <p:cTn id="86" nodeType="mainSeq"/>
+              <p:prevCondLst>
+                <p:cond delay="0" evt="onPrev">
+                  <p:tgtEl>
+                    <p:sldTgt/>
+                  </p:tgtEl>
+                </p:cond>
+              </p:prevCondLst>
+              <p:nextCondLst>
+                <p:cond delay="0" evt="onNext">
+                  <p:tgtEl>
+                    <p:sldTgt/>
+                  </p:tgtEl>
+                </p:cond>
+              </p:nextCondLst>
+            </p:seq>
+          </p:childTnLst>
+        </p:cTn>
+      </p:par>
+    </p:tnLst>
+  </p:timing>
 </p:sld>
 </file>
 
@@ -8328,7 +9254,7 @@
               <a:rPr lang="en-US" sz="2800">
                 <a:latin typeface="Arial"/>
               </a:rPr>
-              <a:t>Analysis of the (big) data</a:t>
+              <a:t>Analysis and aggregation of the (big) data</a:t>
             </a:r>
             <a:endParaRPr/>
           </a:p>
@@ -8883,6 +9809,33 @@
       </p:sp>
     </p:spTree>
   </p:cSld>
+  <p:timing>
+    <p:tnLst>
+      <p:par>
+        <p:cTn id="17" dur="indefinite" restart="never" nodeType="tmRoot">
+          <p:childTnLst>
+            <p:seq>
+              <p:cTn id="18" nodeType="mainSeq"/>
+              <p:prevCondLst>
+                <p:cond delay="0" evt="onPrev">
+                  <p:tgtEl>
+                    <p:sldTgt/>
+                  </p:tgtEl>
+                </p:cond>
+              </p:prevCondLst>
+              <p:nextCondLst>
+                <p:cond delay="0" evt="onNext">
+                  <p:tgtEl>
+                    <p:sldTgt/>
+                  </p:tgtEl>
+                </p:cond>
+              </p:nextCondLst>
+            </p:seq>
+          </p:childTnLst>
+        </p:cTn>
+      </p:par>
+    </p:tnLst>
+  </p:timing>
 </p:sld>
 </file>
 

--- a/IADNUG 20150604 Internet of Things NetMF/IoT.pptx
+++ b/IADNUG 20150604 Internet of Things NetMF/IoT.pptx
@@ -1467,7 +1467,7 @@
           <a:bodyPr lIns="0" rIns="0" tIns="0" bIns="0"/>
           <a:p>
             <a:pPr algn="r"/>
-            <a:fld id="{ED9AE3CD-46A3-4A28-8926-12976CBA8FAF}" type="slidenum">
+            <a:fld id="{F64D0706-A1C4-4BB3-B254-B65BC74063ED}" type="slidenum">
               <a:rPr lang="en-US" sz="1400">
                 <a:latin typeface="Times New Roman"/>
               </a:rPr>
@@ -5466,7 +5466,19 @@
               <a:rPr lang="en-US" sz="2800">
                 <a:latin typeface="Arial"/>
               </a:rPr>
-              <a:t>Some Diebold ATMs can flash firmware from a USB stick, allowing arbitrary code to be loaded. </a:t>
+              <a:t>Some </a:t>
+            </a:r>
+            <a:r>
+              <a:rPr lang="en-US" sz="2800">
+                <a:latin typeface="Arial"/>
+              </a:rPr>
+              <a:t>ATM</a:t>
+            </a:r>
+            <a:r>
+              <a:rPr lang="en-US" sz="2800">
+                <a:latin typeface="Arial"/>
+              </a:rPr>
+              <a:t>s can flash firmware from a USB stick, allowing arbitrary code to be loaded. </a:t>
             </a:r>
             <a:endParaRPr/>
           </a:p>
@@ -5480,7 +5492,19 @@
               <a:rPr lang="en-US" sz="2800">
                 <a:latin typeface="Arial"/>
               </a:rPr>
-              <a:t>Medtronic insulin pumps have unprotected wireless interface. An attacker can control all settings, including dosage.</a:t>
+              <a:t>Some </a:t>
+            </a:r>
+            <a:r>
+              <a:rPr lang="en-US" sz="2800">
+                <a:latin typeface="Arial"/>
+              </a:rPr>
+              <a:t>insulin</a:t>
+            </a:r>
+            <a:r>
+              <a:rPr lang="en-US" sz="2800">
+                <a:latin typeface="Arial"/>
+              </a:rPr>
+              <a:t> pumps have unprotected wireless interface. An attacker can control all settings, including dosage.</a:t>
             </a:r>
             <a:endParaRPr/>
           </a:p>
@@ -5494,7 +5518,19 @@
               <a:rPr lang="en-US" sz="2800">
                 <a:latin typeface="Arial"/>
               </a:rPr>
-              <a:t>Vehicles with OnStar can be hacked via the diagnostic port, allowing remote control of throttle, brakes, locks, etc.</a:t>
+              <a:t>Vehicles with </a:t>
+            </a:r>
+            <a:r>
+              <a:rPr lang="en-US" sz="2800">
+                <a:latin typeface="Arial"/>
+              </a:rPr>
+              <a:t>OnStar</a:t>
+            </a:r>
+            <a:r>
+              <a:rPr lang="en-US" sz="2800">
+                <a:latin typeface="Arial"/>
+              </a:rPr>
+              <a:t> can be hacked via the diagnostic port, allowing remote control of throttle, brakes, locks, etc.</a:t>
             </a:r>
             <a:endParaRPr/>
           </a:p>
@@ -7899,7 +7935,7 @@
               <a:rPr lang="en-US" sz="3200">
                 <a:latin typeface="Arial"/>
               </a:rPr>
-              <a:t> Is part of UAP.</a:t>
+              <a:t> Is part of Universal Windows Platform.</a:t>
             </a:r>
             <a:endParaRPr/>
           </a:p>
@@ -7947,6 +7983,32 @@
               <a:rPr lang="en-US" sz="3200">
                 <a:latin typeface="Arial"/>
               </a:rPr>
+              <a:t>Can run on </a:t>
+            </a:r>
+            <a:r>
+              <a:rPr lang="en-US" sz="3200">
+                <a:latin typeface="Arial"/>
+              </a:rPr>
+              <a:t>Raspberry Pi 2</a:t>
+            </a:r>
+            <a:r>
+              <a:rPr lang="en-US" sz="3200">
+                <a:latin typeface="Arial"/>
+              </a:rPr>
+              <a:t> right now, in preview.</a:t>
+            </a:r>
+            <a:endParaRPr/>
+          </a:p>
+          <a:p>
+            <a:pPr>
+              <a:buSzPct val="45000"/>
+              <a:buFont typeface="StarSymbol"/>
+              <a:buChar char=""/>
+            </a:pPr>
+            <a:r>
+              <a:rPr lang="en-US" sz="3200">
+                <a:latin typeface="Arial"/>
+              </a:rPr>
               <a:t>New API</a:t>
             </a:r>
             <a:r>
@@ -7967,7 +8029,7 @@
               <a:rPr lang="en-US" sz="3200">
                 <a:latin typeface="Arial"/>
               </a:rPr>
-              <a:t>Full .NET. Meaning generics, Linq, etc. Anything.</a:t>
+              <a:t>Full .NET capabilities in .NET Core. Meaning generics, Linq, etc. </a:t>
             </a:r>
             <a:endParaRPr/>
           </a:p>
@@ -7987,7 +8049,7 @@
               <a:rPr lang="en-US" sz="3200">
                 <a:latin typeface="Arial"/>
               </a:rPr>
-              <a:t>, continues to exist for smaller devices.</a:t>
+              <a:t>, continues to exist for smaller devices. Not intended to be supplanted by Win10 IoT. </a:t>
             </a:r>
             <a:endParaRPr/>
           </a:p>
